--- a/Mind Install/Mind Install.pptx
+++ b/Mind Install/Mind Install.pptx
@@ -5287,11 +5287,7 @@
             </a:r>
             <a:r>
               <a:rPr lang="en-US" dirty="0" smtClean="0"/>
-              <a:t> </a:t>
-            </a:r>
-            <a:r>
-              <a:rPr lang="en-US" dirty="0" smtClean="0"/>
-              <a:t>:</a:t>
+              <a:t> :</a:t>
             </a:r>
             <a:br>
               <a:rPr lang="en-US" dirty="0" smtClean="0"/>
@@ -5327,54 +5323,64 @@
                 <a:latin typeface="Times New Roman" pitchFamily="18" charset="0"/>
                 <a:cs typeface="Times New Roman" pitchFamily="18" charset="0"/>
               </a:rPr>
-              <a:t>In </a:t>
+              <a:t>In this project we have made a doubts solving platform like discussion forum in which students </a:t>
             </a:r>
             <a:r>
               <a:rPr lang="en-US" dirty="0" smtClean="0">
                 <a:latin typeface="Times New Roman" pitchFamily="18" charset="0"/>
                 <a:cs typeface="Times New Roman" pitchFamily="18" charset="0"/>
               </a:rPr>
-              <a:t>this project we have made a doubts solving platform like discussion forum in which students can</a:t>
-            </a:r>
-          </a:p>
-          <a:p>
-            <a:pPr marL="457200" indent="-457200">
-              <a:lnSpc>
-                <a:spcPct val="200000"/>
-              </a:lnSpc>
-            </a:pPr>
+              <a:t>can ask their doubts </a:t>
+            </a:r>
             <a:r>
               <a:rPr lang="en-US" dirty="0" smtClean="0">
                 <a:latin typeface="Times New Roman" pitchFamily="18" charset="0"/>
                 <a:cs typeface="Times New Roman" pitchFamily="18" charset="0"/>
               </a:rPr>
-              <a:t>ask their doubts occured during online classes of different subjects to the respective teacher. So that</a:t>
-            </a:r>
-          </a:p>
-          <a:p>
-            <a:pPr marL="457200" indent="-457200">
-              <a:lnSpc>
-                <a:spcPct val="200000"/>
-              </a:lnSpc>
-            </a:pPr>
+              <a:t>occured during online classes of </a:t>
+            </a:r>
             <a:r>
               <a:rPr lang="en-US" dirty="0" smtClean="0">
                 <a:latin typeface="Times New Roman" pitchFamily="18" charset="0"/>
                 <a:cs typeface="Times New Roman" pitchFamily="18" charset="0"/>
               </a:rPr>
-              <a:t>the student's doubts can be solved in time effective manner using technique called communication threads</a:t>
+              <a:t>different subjects </a:t>
             </a:r>
             <a:r>
               <a:rPr lang="en-US" dirty="0" smtClean="0">
                 <a:latin typeface="Times New Roman" pitchFamily="18" charset="0"/>
                 <a:cs typeface="Times New Roman" pitchFamily="18" charset="0"/>
               </a:rPr>
-              <a:t>.</a:t>
-            </a:r>
-            <a:endParaRPr lang="en-US" dirty="0" smtClean="0">
-              <a:latin typeface="Times New Roman" pitchFamily="18" charset="0"/>
-              <a:cs typeface="Times New Roman" pitchFamily="18" charset="0"/>
-            </a:endParaRPr>
+              <a:t>to the respective teacher. So </a:t>
+            </a:r>
+            <a:r>
+              <a:rPr lang="en-US" dirty="0" smtClean="0">
+                <a:latin typeface="Times New Roman" pitchFamily="18" charset="0"/>
+                <a:cs typeface="Times New Roman" pitchFamily="18" charset="0"/>
+              </a:rPr>
+              <a:t>that the </a:t>
+            </a:r>
+            <a:r>
+              <a:rPr lang="en-US" dirty="0" smtClean="0">
+                <a:latin typeface="Times New Roman" pitchFamily="18" charset="0"/>
+                <a:cs typeface="Times New Roman" pitchFamily="18" charset="0"/>
+              </a:rPr>
+              <a:t>student's doubts can be solved in time effective manner </a:t>
+            </a:r>
+            <a:r>
+              <a:rPr lang="en-US" dirty="0" smtClean="0">
+                <a:latin typeface="Times New Roman" pitchFamily="18" charset="0"/>
+                <a:cs typeface="Times New Roman" pitchFamily="18" charset="0"/>
+              </a:rPr>
+              <a:t>using technique </a:t>
+            </a:r>
+            <a:r>
+              <a:rPr lang="en-US" dirty="0" smtClean="0">
+                <a:latin typeface="Times New Roman" pitchFamily="18" charset="0"/>
+                <a:cs typeface="Times New Roman" pitchFamily="18" charset="0"/>
+              </a:rPr>
+              <a:t>called communication threads.</a:t>
+            </a:r>
           </a:p>
         </p:txBody>
       </p:sp>
@@ -5429,10 +5435,6 @@
               <a:rPr lang="en-US" dirty="0" smtClean="0"/>
               <a:t> </a:t>
             </a:r>
-            <a:r>
-              <a:rPr lang="en-US" dirty="0" smtClean="0"/>
-              <a:t/>
-            </a:r>
             <a:br>
               <a:rPr lang="en-US" dirty="0" smtClean="0"/>
             </a:br>
@@ -5460,78 +5462,25 @@
                 <a:latin typeface="Times New Roman" pitchFamily="18" charset="0"/>
                 <a:cs typeface="Times New Roman" pitchFamily="18" charset="0"/>
               </a:rPr>
-              <a:t>After </a:t>
-            </a:r>
+              <a:t>After cloning the repo, run "cd Doubt_Solver“</a:t>
+            </a:r>
+          </a:p>
+          <a:p>
             <a:r>
               <a:rPr lang="en-US" dirty="0" smtClean="0">
                 <a:latin typeface="Times New Roman" pitchFamily="18" charset="0"/>
                 <a:cs typeface="Times New Roman" pitchFamily="18" charset="0"/>
               </a:rPr>
-              <a:t>cloning the repo</a:t>
-            </a:r>
+              <a:t>Then run "node index" to start the server</a:t>
+            </a:r>
+          </a:p>
+          <a:p>
             <a:r>
               <a:rPr lang="en-US" dirty="0" smtClean="0">
                 <a:latin typeface="Times New Roman" pitchFamily="18" charset="0"/>
                 <a:cs typeface="Times New Roman" pitchFamily="18" charset="0"/>
               </a:rPr>
-              <a:t>, </a:t>
-            </a:r>
-            <a:r>
-              <a:rPr lang="en-US" dirty="0" smtClean="0">
-                <a:latin typeface="Times New Roman" pitchFamily="18" charset="0"/>
-                <a:cs typeface="Times New Roman" pitchFamily="18" charset="0"/>
-              </a:rPr>
-              <a:t>run "cd </a:t>
-            </a:r>
-            <a:r>
-              <a:rPr lang="en-US" dirty="0" smtClean="0">
-                <a:latin typeface="Times New Roman" pitchFamily="18" charset="0"/>
-                <a:cs typeface="Times New Roman" pitchFamily="18" charset="0"/>
-              </a:rPr>
-              <a:t>Doubt_Solver“</a:t>
-            </a:r>
-            <a:endParaRPr lang="en-US" dirty="0" smtClean="0">
-              <a:latin typeface="Times New Roman" pitchFamily="18" charset="0"/>
-              <a:cs typeface="Times New Roman" pitchFamily="18" charset="0"/>
-            </a:endParaRPr>
-          </a:p>
-          <a:p>
-            <a:r>
-              <a:rPr lang="en-US" dirty="0" smtClean="0">
-                <a:latin typeface="Times New Roman" pitchFamily="18" charset="0"/>
-                <a:cs typeface="Times New Roman" pitchFamily="18" charset="0"/>
-              </a:rPr>
-              <a:t>Then </a:t>
-            </a:r>
-            <a:r>
-              <a:rPr lang="en-US" dirty="0" smtClean="0">
-                <a:latin typeface="Times New Roman" pitchFamily="18" charset="0"/>
-                <a:cs typeface="Times New Roman" pitchFamily="18" charset="0"/>
-              </a:rPr>
-              <a:t>run "node index" to start the server</a:t>
-            </a:r>
-          </a:p>
-          <a:p>
-            <a:r>
-              <a:rPr lang="en-US" dirty="0" smtClean="0">
-                <a:latin typeface="Times New Roman" pitchFamily="18" charset="0"/>
-                <a:cs typeface="Times New Roman" pitchFamily="18" charset="0"/>
-              </a:rPr>
-              <a:t>Navigate </a:t>
-            </a:r>
-            <a:r>
-              <a:rPr lang="en-US" dirty="0" smtClean="0">
-                <a:latin typeface="Times New Roman" pitchFamily="18" charset="0"/>
-                <a:cs typeface="Times New Roman" pitchFamily="18" charset="0"/>
-              </a:rPr>
-              <a:t>to "https://localhost:3000" </a:t>
-            </a:r>
-            <a:r>
-              <a:rPr lang="en-US" dirty="0" smtClean="0">
-                <a:latin typeface="Times New Roman" pitchFamily="18" charset="0"/>
-                <a:cs typeface="Times New Roman" pitchFamily="18" charset="0"/>
-              </a:rPr>
-              <a:t>where you will see form below.</a:t>
+              <a:t>Navigate to "https://localhost:3000" where you will see form below.</a:t>
             </a:r>
           </a:p>
           <a:p>
@@ -5842,7 +5791,21 @@
                 <a:latin typeface="Times New Roman" pitchFamily="18" charset="0"/>
                 <a:cs typeface="Times New Roman" pitchFamily="18" charset="0"/>
               </a:rPr>
-              <a:t>“New Conversation” button one pop up box will occure in which student can post there douts.</a:t>
+              <a:t>“New Conversation” button one pop up box will occure in which student can post there </a:t>
+            </a:r>
+            <a:r>
+              <a:rPr lang="en-US" dirty="0" smtClean="0">
+                <a:latin typeface="Times New Roman" pitchFamily="18" charset="0"/>
+                <a:cs typeface="Times New Roman" pitchFamily="18" charset="0"/>
+              </a:rPr>
+              <a:t>doutbs</a:t>
+            </a:r>
+            <a:r>
+              <a:rPr lang="en-US" dirty="0" smtClean="0">
+                <a:latin typeface="Times New Roman" pitchFamily="18" charset="0"/>
+                <a:cs typeface="Times New Roman" pitchFamily="18" charset="0"/>
+              </a:rPr>
+              <a:t>.</a:t>
             </a:r>
             <a:endParaRPr lang="en-US" dirty="0"/>
           </a:p>
@@ -5956,10 +5919,6 @@
               </a:rPr>
               <a:t>Bootstrap</a:t>
             </a:r>
-            <a:endParaRPr lang="en-US" dirty="0" smtClean="0">
-              <a:latin typeface="Times New Roman" pitchFamily="18" charset="0"/>
-              <a:cs typeface="Times New Roman" pitchFamily="18" charset="0"/>
-            </a:endParaRPr>
           </a:p>
           <a:p>
             <a:pPr>
@@ -5974,10 +5933,6 @@
               </a:rPr>
               <a:t>Node.js</a:t>
             </a:r>
-            <a:endParaRPr lang="en-US" dirty="0" smtClean="0">
-              <a:latin typeface="Times New Roman" pitchFamily="18" charset="0"/>
-              <a:cs typeface="Times New Roman" pitchFamily="18" charset="0"/>
-            </a:endParaRPr>
           </a:p>
           <a:p>
             <a:pPr>
@@ -5992,10 +5947,6 @@
               </a:rPr>
               <a:t>Express</a:t>
             </a:r>
-            <a:endParaRPr lang="en-US" dirty="0" smtClean="0">
-              <a:latin typeface="Times New Roman" pitchFamily="18" charset="0"/>
-              <a:cs typeface="Times New Roman" pitchFamily="18" charset="0"/>
-            </a:endParaRPr>
           </a:p>
           <a:p>
             <a:pPr>
